--- a/Austin-Ansible-Aug-2014.pptx
+++ b/Austin-Ansible-Aug-2014.pptx
@@ -1068,27 +1068,17 @@
             </a:r>
             <a:r>
               <a:rPr lang="en-US" dirty="0" smtClean="0"/>
-              <a:t> when they were the first items in the script</a:t>
-            </a:r>
-            <a:r>
-              <a:rPr lang="en-US" dirty="0" smtClean="0"/>
-              <a:t>.</a:t>
-            </a:r>
-          </a:p>
-          <a:p>
-            <a:r>
-              <a:rPr lang="en-US" smtClean="0"/>
-              <a:t>Some scripts </a:t>
-            </a:r>
-            <a:r>
-              <a:rPr lang="en-US" dirty="0" smtClean="0"/>
-              <a:t>won’t run as user who is part of </a:t>
-            </a:r>
-            <a:r>
-              <a:rPr lang="en-US" smtClean="0"/>
-              <a:t>administrator group.</a:t>
-            </a:r>
-            <a:endParaRPr lang="en-US" dirty="0"/>
+              <a:t> when they were the first items in </a:t>
+            </a:r>
+            <a:r>
+              <a:rPr lang="en-US" smtClean="0"/>
+              <a:t>the </a:t>
+            </a:r>
+            <a:r>
+              <a:rPr lang="en-US" smtClean="0"/>
+              <a:t>script.</a:t>
+            </a:r>
+            <a:endParaRPr lang="en-US" dirty="0" smtClean="0"/>
           </a:p>
         </p:txBody>
       </p:sp>
